--- a/박준형/프로토타입_준형.pptx
+++ b/박준형/프로토타입_준형.pptx
@@ -5,14 +5,15 @@
     <p:sldMasterId id="2147483648" r:id="rId1"/>
   </p:sldMasterIdLst>
   <p:notesMasterIdLst>
-    <p:notesMasterId r:id="rId7"/>
+    <p:notesMasterId r:id="rId8"/>
   </p:notesMasterIdLst>
   <p:sldIdLst>
-    <p:sldId id="256" r:id="rId2"/>
-    <p:sldId id="257" r:id="rId3"/>
-    <p:sldId id="258" r:id="rId4"/>
-    <p:sldId id="259" r:id="rId5"/>
-    <p:sldId id="260" r:id="rId6"/>
+    <p:sldId id="261" r:id="rId2"/>
+    <p:sldId id="256" r:id="rId3"/>
+    <p:sldId id="257" r:id="rId4"/>
+    <p:sldId id="258" r:id="rId5"/>
+    <p:sldId id="259" r:id="rId6"/>
+    <p:sldId id="260" r:id="rId7"/>
   </p:sldIdLst>
   <p:sldSz cx="18288000" cy="10287000"/>
   <p:notesSz cx="6858000" cy="9144000"/>
@@ -314,6 +315,11 @@
       </a:defRPr>
     </a:lvl9pPr>
   </p:defaultTextStyle>
+  <p:extLst>
+    <p:ext uri="{EFAFB233-063F-42B5-8137-9DF3F51BA10A}">
+      <p15:sldGuideLst xmlns:p15="http://schemas.microsoft.com/office/powerpoint/2012/main"/>
+    </p:ext>
+  </p:extLst>
 </p:presentation>
 </file>
 
@@ -1945,7 +1951,7 @@
           </a:ln>
           <a:extLst>
             <a:ext uri="{C572A759-6A51-4108-AA02-DFA0A04FC94B}">
-              <ma14:wrappingTextBoxFlag xmlns:ma14="http://schemas.microsoft.com/office/mac/drawingml/2011/main" xmlns:a14="http://schemas.microsoft.com/office/drawing/2010/main" xmlns:m="http://schemas.openxmlformats.org/officeDocument/2006/math" xmlns="" val="1"/>
+              <ma14:wrappingTextBoxFlag xmlns="" xmlns:m="http://schemas.openxmlformats.org/officeDocument/2006/math" xmlns:a14="http://schemas.microsoft.com/office/drawing/2010/main" xmlns:ma14="http://schemas.microsoft.com/office/mac/drawingml/2011/main" val="1"/>
             </a:ext>
           </a:extLst>
         </p:spPr>
@@ -1984,7 +1990,7 @@
           </a:ln>
           <a:extLst>
             <a:ext uri="{C572A759-6A51-4108-AA02-DFA0A04FC94B}">
-              <ma14:wrappingTextBoxFlag xmlns:ma14="http://schemas.microsoft.com/office/mac/drawingml/2011/main" xmlns:a14="http://schemas.microsoft.com/office/drawing/2010/main" xmlns:m="http://schemas.openxmlformats.org/officeDocument/2006/math" xmlns="" val="1"/>
+              <ma14:wrappingTextBoxFlag xmlns="" xmlns:m="http://schemas.openxmlformats.org/officeDocument/2006/math" xmlns:a14="http://schemas.microsoft.com/office/drawing/2010/main" xmlns:ma14="http://schemas.microsoft.com/office/mac/drawingml/2011/main" val="1"/>
             </a:ext>
           </a:extLst>
         </p:spPr>
@@ -2888,7 +2894,7 @@
           </a:ln>
           <a:extLst>
             <a:ext uri="{C572A759-6A51-4108-AA02-DFA0A04FC94B}">
-              <ma14:wrappingTextBoxFlag xmlns:ma14="http://schemas.microsoft.com/office/mac/drawingml/2011/main" xmlns:a14="http://schemas.microsoft.com/office/drawing/2010/main" xmlns:m="http://schemas.openxmlformats.org/officeDocument/2006/math" xmlns="" val="1"/>
+              <ma14:wrappingTextBoxFlag xmlns="" xmlns:m="http://schemas.openxmlformats.org/officeDocument/2006/math" xmlns:a14="http://schemas.microsoft.com/office/drawing/2010/main" xmlns:ma14="http://schemas.microsoft.com/office/mac/drawingml/2011/main" val="1"/>
             </a:ext>
           </a:extLst>
         </p:spPr>
@@ -2938,7 +2944,223 @@
           </a:ln>
           <a:extLst>
             <a:ext uri="{C572A759-6A51-4108-AA02-DFA0A04FC94B}">
-              <ma14:wrappingTextBoxFlag xmlns:ma14="http://schemas.microsoft.com/office/mac/drawingml/2011/main" xmlns:a14="http://schemas.microsoft.com/office/drawing/2010/main" xmlns:m="http://schemas.openxmlformats.org/officeDocument/2006/math" xmlns="" val="1"/>
+              <ma14:wrappingTextBoxFlag xmlns="" xmlns:m="http://schemas.openxmlformats.org/officeDocument/2006/math" xmlns:a14="http://schemas.microsoft.com/office/drawing/2010/main" xmlns:ma14="http://schemas.microsoft.com/office/mac/drawingml/2011/main" val="1"/>
+            </a:ext>
+          </a:extLst>
+        </p:spPr>
+        <p:txBody>
+          <a:bodyPr lIns="0" tIns="0" rIns="0" bIns="0">
+            <a:spAutoFit/>
+          </a:bodyPr>
+          <a:lstStyle>
+            <a:lvl1pPr algn="ctr">
+              <a:lnSpc>
+                <a:spcPts val="10700"/>
+              </a:lnSpc>
+              <a:defRPr sz="7700" b="1">
+                <a:solidFill>
+                  <a:srgbClr val="48664D"/>
+                </a:solidFill>
+                <a:latin typeface="Arita Dotum Bold"/>
+                <a:ea typeface="Arita Dotum Bold"/>
+                <a:cs typeface="Arita Dotum Bold"/>
+                <a:sym typeface="Arita Dotum Bold"/>
+              </a:defRPr>
+            </a:lvl1pPr>
+          </a:lstStyle>
+          <a:p>
+            <a:r>
+              <a:t>계정 정보 화면</a:t>
+            </a:r>
+          </a:p>
+        </p:txBody>
+      </p:sp>
+      <p:pic>
+        <p:nvPicPr>
+          <p:cNvPr id="98" name="Screenshot 2025-07-06 at 2.33.23 PM.png" descr="Screenshot 2025-07-06 at 2.33.23 PM.png"/>
+          <p:cNvPicPr>
+            <a:picLocks noChangeAspect="1"/>
+          </p:cNvPicPr>
+          <p:nvPr/>
+        </p:nvPicPr>
+        <p:blipFill>
+          <a:blip r:embed="rId2"/>
+          <a:srcRect l="1234" r="1234"/>
+          <a:stretch>
+            <a:fillRect/>
+          </a:stretch>
+        </p:blipFill>
+        <p:spPr>
+          <a:xfrm>
+            <a:off x="2807920" y="2664499"/>
+            <a:ext cx="12691132" cy="7308383"/>
+          </a:xfrm>
+          <a:prstGeom prst="rect">
+            <a:avLst/>
+          </a:prstGeom>
+          <a:ln w="12700">
+            <a:miter lim="400000"/>
+          </a:ln>
+        </p:spPr>
+      </p:pic>
+    </p:spTree>
+    <p:extLst>
+      <p:ext uri="{BB962C8B-B14F-4D97-AF65-F5344CB8AC3E}">
+        <p14:creationId xmlns:p14="http://schemas.microsoft.com/office/powerpoint/2010/main" val="3751170364"/>
+      </p:ext>
+    </p:extLst>
+  </p:cSld>
+  <p:clrMapOvr>
+    <a:masterClrMapping/>
+  </p:clrMapOvr>
+  <p:transition spd="med"/>
+</p:sld>
+</file>
+
+<file path=ppt/slides/slide2.xml><?xml version="1.0" encoding="utf-8"?>
+<p:sld xmlns:a="http://schemas.openxmlformats.org/drawingml/2006/main" xmlns:r="http://schemas.openxmlformats.org/officeDocument/2006/relationships" xmlns:p="http://schemas.openxmlformats.org/presentationml/2006/main">
+  <p:cSld>
+    <p:spTree>
+      <p:nvGrpSpPr>
+        <p:cNvPr id="1" name=""/>
+        <p:cNvGrpSpPr/>
+        <p:nvPr/>
+      </p:nvGrpSpPr>
+      <p:grpSpPr>
+        <a:xfrm>
+          <a:off x="0" y="0"/>
+          <a:ext cx="0" cy="0"/>
+          <a:chOff x="0" y="0"/>
+          <a:chExt cx="0" cy="0"/>
+        </a:xfrm>
+      </p:grpSpPr>
+      <p:sp>
+        <p:nvSpPr>
+          <p:cNvPr id="94" name="Freeform 3"/>
+          <p:cNvSpPr/>
+          <p:nvPr/>
+        </p:nvSpPr>
+        <p:spPr>
+          <a:xfrm>
+            <a:off x="0" y="0"/>
+            <a:ext cx="18287996" cy="427512"/>
+          </a:xfrm>
+          <a:prstGeom prst="rect">
+            <a:avLst/>
+          </a:prstGeom>
+          <a:solidFill>
+            <a:srgbClr val="48664D"/>
+          </a:solidFill>
+          <a:ln w="12700">
+            <a:miter lim="400000"/>
+          </a:ln>
+        </p:spPr>
+        <p:txBody>
+          <a:bodyPr lIns="45719" rIns="45719"/>
+          <a:lstStyle/>
+          <a:p>
+            <a:endParaRPr/>
+          </a:p>
+        </p:txBody>
+      </p:sp>
+      <p:sp>
+        <p:nvSpPr>
+          <p:cNvPr id="95" name="AutoShape 5"/>
+          <p:cNvSpPr/>
+          <p:nvPr/>
+        </p:nvSpPr>
+        <p:spPr>
+          <a:xfrm>
+            <a:off x="17000455" y="9417181"/>
+            <a:ext cx="1" cy="249375"/>
+          </a:xfrm>
+          <a:prstGeom prst="line">
+            <a:avLst/>
+          </a:prstGeom>
+          <a:ln w="47625">
+            <a:solidFill>
+              <a:srgbClr val="48664D"/>
+            </a:solidFill>
+          </a:ln>
+        </p:spPr>
+        <p:txBody>
+          <a:bodyPr lIns="45719" rIns="45719"/>
+          <a:lstStyle/>
+          <a:p>
+            <a:endParaRPr/>
+          </a:p>
+        </p:txBody>
+      </p:sp>
+      <p:sp>
+        <p:nvSpPr>
+          <p:cNvPr id="96" name="TextBox 6"/>
+          <p:cNvSpPr txBox="1"/>
+          <p:nvPr/>
+        </p:nvSpPr>
+        <p:spPr>
+          <a:xfrm>
+            <a:off x="17105994" y="9345972"/>
+            <a:ext cx="435965" cy="366136"/>
+          </a:xfrm>
+          <a:prstGeom prst="rect">
+            <a:avLst/>
+          </a:prstGeom>
+          <a:ln w="12700">
+            <a:miter lim="400000"/>
+          </a:ln>
+          <a:extLst>
+            <a:ext uri="{C572A759-6A51-4108-AA02-DFA0A04FC94B}">
+              <ma14:wrappingTextBoxFlag xmlns="" xmlns:m="http://schemas.openxmlformats.org/officeDocument/2006/math" xmlns:a14="http://schemas.microsoft.com/office/drawing/2010/main" xmlns:ma14="http://schemas.microsoft.com/office/mac/drawingml/2011/main" val="1"/>
+            </a:ext>
+          </a:extLst>
+        </p:spPr>
+        <p:txBody>
+          <a:bodyPr lIns="0" tIns="0" rIns="0" bIns="0">
+            <a:spAutoFit/>
+          </a:bodyPr>
+          <a:lstStyle>
+            <a:lvl1pPr algn="r">
+              <a:lnSpc>
+                <a:spcPts val="3000"/>
+              </a:lnSpc>
+              <a:defRPr sz="2100" b="1">
+                <a:solidFill>
+                  <a:srgbClr val="48664D"/>
+                </a:solidFill>
+                <a:latin typeface="Arita Dotum Light"/>
+                <a:ea typeface="Arita Dotum Light"/>
+                <a:cs typeface="Arita Dotum Light"/>
+                <a:sym typeface="Arita Dotum Light"/>
+              </a:defRPr>
+            </a:lvl1pPr>
+          </a:lstStyle>
+          <a:p>
+            <a:r>
+              <a:t>00</a:t>
+            </a:r>
+          </a:p>
+        </p:txBody>
+      </p:sp>
+      <p:sp>
+        <p:nvSpPr>
+          <p:cNvPr id="97" name="TextBox 7"/>
+          <p:cNvSpPr txBox="1"/>
+          <p:nvPr/>
+        </p:nvSpPr>
+        <p:spPr>
+          <a:xfrm>
+            <a:off x="4982342" y="932214"/>
+            <a:ext cx="8334386" cy="1380491"/>
+          </a:xfrm>
+          <a:prstGeom prst="rect">
+            <a:avLst/>
+          </a:prstGeom>
+          <a:ln w="12700">
+            <a:miter lim="400000"/>
+          </a:ln>
+          <a:extLst>
+            <a:ext uri="{C572A759-6A51-4108-AA02-DFA0A04FC94B}">
+              <ma14:wrappingTextBoxFlag xmlns="" xmlns:m="http://schemas.openxmlformats.org/officeDocument/2006/math" xmlns:a14="http://schemas.microsoft.com/office/drawing/2010/main" xmlns:ma14="http://schemas.microsoft.com/office/mac/drawingml/2011/main" val="1"/>
             </a:ext>
           </a:extLst>
         </p:spPr>
@@ -3006,7 +3228,7 @@
 </p:sld>
 </file>
 
-<file path=ppt/slides/slide2.xml><?xml version="1.0" encoding="utf-8"?>
+<file path=ppt/slides/slide3.xml><?xml version="1.0" encoding="utf-8"?>
 <p:sld xmlns:a="http://schemas.openxmlformats.org/drawingml/2006/main" xmlns:r="http://schemas.openxmlformats.org/officeDocument/2006/relationships" xmlns:p="http://schemas.openxmlformats.org/presentationml/2006/main">
   <p:cSld>
     <p:spTree>
@@ -3099,7 +3321,7 @@
           </a:ln>
           <a:extLst>
             <a:ext uri="{C572A759-6A51-4108-AA02-DFA0A04FC94B}">
-              <ma14:wrappingTextBoxFlag xmlns:ma14="http://schemas.microsoft.com/office/mac/drawingml/2011/main" xmlns:a14="http://schemas.microsoft.com/office/drawing/2010/main" xmlns:m="http://schemas.openxmlformats.org/officeDocument/2006/math" xmlns="" val="1"/>
+              <ma14:wrappingTextBoxFlag xmlns="" xmlns:m="http://schemas.openxmlformats.org/officeDocument/2006/math" xmlns:a14="http://schemas.microsoft.com/office/drawing/2010/main" xmlns:ma14="http://schemas.microsoft.com/office/mac/drawingml/2011/main" val="1"/>
             </a:ext>
           </a:extLst>
         </p:spPr>
@@ -3149,7 +3371,7 @@
           </a:ln>
           <a:extLst>
             <a:ext uri="{C572A759-6A51-4108-AA02-DFA0A04FC94B}">
-              <ma14:wrappingTextBoxFlag xmlns:ma14="http://schemas.microsoft.com/office/mac/drawingml/2011/main" xmlns:a14="http://schemas.microsoft.com/office/drawing/2010/main" xmlns:m="http://schemas.openxmlformats.org/officeDocument/2006/math" xmlns="" val="1"/>
+              <ma14:wrappingTextBoxFlag xmlns="" xmlns:m="http://schemas.openxmlformats.org/officeDocument/2006/math" xmlns:a14="http://schemas.microsoft.com/office/drawing/2010/main" xmlns:ma14="http://schemas.microsoft.com/office/mac/drawingml/2011/main" val="1"/>
             </a:ext>
           </a:extLst>
         </p:spPr>
@@ -3227,7 +3449,7 @@
           </a:ln>
           <a:extLst>
             <a:ext uri="{C572A759-6A51-4108-AA02-DFA0A04FC94B}">
-              <ma14:wrappingTextBoxFlag xmlns:ma14="http://schemas.microsoft.com/office/mac/drawingml/2011/main" xmlns:a14="http://schemas.microsoft.com/office/drawing/2010/main" xmlns:m="http://schemas.openxmlformats.org/officeDocument/2006/math" xmlns="" val="1"/>
+              <ma14:wrappingTextBoxFlag xmlns="" xmlns:m="http://schemas.openxmlformats.org/officeDocument/2006/math" xmlns:a14="http://schemas.microsoft.com/office/drawing/2010/main" xmlns:ma14="http://schemas.microsoft.com/office/mac/drawingml/2011/main" val="1"/>
             </a:ext>
           </a:extLst>
         </p:spPr>
@@ -3321,7 +3543,7 @@
 </p:sld>
 </file>
 
-<file path=ppt/slides/slide3.xml><?xml version="1.0" encoding="utf-8"?>
+<file path=ppt/slides/slide4.xml><?xml version="1.0" encoding="utf-8"?>
 <p:sld xmlns:a="http://schemas.openxmlformats.org/drawingml/2006/main" xmlns:r="http://schemas.openxmlformats.org/officeDocument/2006/relationships" xmlns:p="http://schemas.openxmlformats.org/presentationml/2006/main">
   <p:cSld>
     <p:spTree>
@@ -3414,7 +3636,7 @@
           </a:ln>
           <a:extLst>
             <a:ext uri="{C572A759-6A51-4108-AA02-DFA0A04FC94B}">
-              <ma14:wrappingTextBoxFlag xmlns:ma14="http://schemas.microsoft.com/office/mac/drawingml/2011/main" xmlns:a14="http://schemas.microsoft.com/office/drawing/2010/main" xmlns:m="http://schemas.openxmlformats.org/officeDocument/2006/math" xmlns="" val="1"/>
+              <ma14:wrappingTextBoxFlag xmlns="" xmlns:m="http://schemas.openxmlformats.org/officeDocument/2006/math" xmlns:a14="http://schemas.microsoft.com/office/drawing/2010/main" xmlns:ma14="http://schemas.microsoft.com/office/mac/drawingml/2011/main" val="1"/>
             </a:ext>
           </a:extLst>
         </p:spPr>
@@ -3464,7 +3686,7 @@
           </a:ln>
           <a:extLst>
             <a:ext uri="{C572A759-6A51-4108-AA02-DFA0A04FC94B}">
-              <ma14:wrappingTextBoxFlag xmlns:ma14="http://schemas.microsoft.com/office/mac/drawingml/2011/main" xmlns:a14="http://schemas.microsoft.com/office/drawing/2010/main" xmlns:m="http://schemas.openxmlformats.org/officeDocument/2006/math" xmlns="" val="1"/>
+              <ma14:wrappingTextBoxFlag xmlns="" xmlns:m="http://schemas.openxmlformats.org/officeDocument/2006/math" xmlns:a14="http://schemas.microsoft.com/office/drawing/2010/main" xmlns:ma14="http://schemas.microsoft.com/office/mac/drawingml/2011/main" val="1"/>
             </a:ext>
           </a:extLst>
         </p:spPr>
@@ -3524,7 +3746,7 @@
           </a:ln>
           <a:extLst>
             <a:ext uri="{C572A759-6A51-4108-AA02-DFA0A04FC94B}">
-              <ma14:wrappingTextBoxFlag xmlns:ma14="http://schemas.microsoft.com/office/mac/drawingml/2011/main" xmlns:a14="http://schemas.microsoft.com/office/drawing/2010/main" xmlns:m="http://schemas.openxmlformats.org/officeDocument/2006/math" xmlns="" val="1"/>
+              <ma14:wrappingTextBoxFlag xmlns="" xmlns:m="http://schemas.openxmlformats.org/officeDocument/2006/math" xmlns:a14="http://schemas.microsoft.com/office/drawing/2010/main" xmlns:ma14="http://schemas.microsoft.com/office/mac/drawingml/2011/main" val="1"/>
             </a:ext>
           </a:extLst>
         </p:spPr>
@@ -3665,7 +3887,7 @@
 </p:sld>
 </file>
 
-<file path=ppt/slides/slide4.xml><?xml version="1.0" encoding="utf-8"?>
+<file path=ppt/slides/slide5.xml><?xml version="1.0" encoding="utf-8"?>
 <p:sld xmlns:a="http://schemas.openxmlformats.org/drawingml/2006/main" xmlns:r="http://schemas.openxmlformats.org/officeDocument/2006/relationships" xmlns:p="http://schemas.openxmlformats.org/presentationml/2006/main">
   <p:cSld>
     <p:spTree>
@@ -3758,7 +3980,7 @@
           </a:ln>
           <a:extLst>
             <a:ext uri="{C572A759-6A51-4108-AA02-DFA0A04FC94B}">
-              <ma14:wrappingTextBoxFlag xmlns:ma14="http://schemas.microsoft.com/office/mac/drawingml/2011/main" xmlns:a14="http://schemas.microsoft.com/office/drawing/2010/main" xmlns:m="http://schemas.openxmlformats.org/officeDocument/2006/math" xmlns="" val="1"/>
+              <ma14:wrappingTextBoxFlag xmlns="" xmlns:m="http://schemas.openxmlformats.org/officeDocument/2006/math" xmlns:a14="http://schemas.microsoft.com/office/drawing/2010/main" xmlns:ma14="http://schemas.microsoft.com/office/mac/drawingml/2011/main" val="1"/>
             </a:ext>
           </a:extLst>
         </p:spPr>
@@ -3808,7 +4030,7 @@
           </a:ln>
           <a:extLst>
             <a:ext uri="{C572A759-6A51-4108-AA02-DFA0A04FC94B}">
-              <ma14:wrappingTextBoxFlag xmlns:ma14="http://schemas.microsoft.com/office/mac/drawingml/2011/main" xmlns:a14="http://schemas.microsoft.com/office/drawing/2010/main" xmlns:m="http://schemas.openxmlformats.org/officeDocument/2006/math" xmlns="" val="1"/>
+              <ma14:wrappingTextBoxFlag xmlns="" xmlns:m="http://schemas.openxmlformats.org/officeDocument/2006/math" xmlns:a14="http://schemas.microsoft.com/office/drawing/2010/main" xmlns:ma14="http://schemas.microsoft.com/office/mac/drawingml/2011/main" val="1"/>
             </a:ext>
           </a:extLst>
         </p:spPr>
@@ -3868,7 +4090,7 @@
           </a:ln>
           <a:extLst>
             <a:ext uri="{C572A759-6A51-4108-AA02-DFA0A04FC94B}">
-              <ma14:wrappingTextBoxFlag xmlns:ma14="http://schemas.microsoft.com/office/mac/drawingml/2011/main" xmlns:a14="http://schemas.microsoft.com/office/drawing/2010/main" xmlns:m="http://schemas.openxmlformats.org/officeDocument/2006/math" xmlns="" val="1"/>
+              <ma14:wrappingTextBoxFlag xmlns="" xmlns:m="http://schemas.openxmlformats.org/officeDocument/2006/math" xmlns:a14="http://schemas.microsoft.com/office/drawing/2010/main" xmlns:ma14="http://schemas.microsoft.com/office/mac/drawingml/2011/main" val="1"/>
             </a:ext>
           </a:extLst>
         </p:spPr>
@@ -4016,7 +4238,7 @@
 </p:sld>
 </file>
 
-<file path=ppt/slides/slide5.xml><?xml version="1.0" encoding="utf-8"?>
+<file path=ppt/slides/slide6.xml><?xml version="1.0" encoding="utf-8"?>
 <p:sld xmlns:a="http://schemas.openxmlformats.org/drawingml/2006/main" xmlns:r="http://schemas.openxmlformats.org/officeDocument/2006/relationships" xmlns:p="http://schemas.openxmlformats.org/presentationml/2006/main">
   <p:cSld>
     <p:spTree>
@@ -4109,7 +4331,7 @@
           </a:ln>
           <a:extLst>
             <a:ext uri="{C572A759-6A51-4108-AA02-DFA0A04FC94B}">
-              <ma14:wrappingTextBoxFlag xmlns:ma14="http://schemas.microsoft.com/office/mac/drawingml/2011/main" xmlns:a14="http://schemas.microsoft.com/office/drawing/2010/main" xmlns:m="http://schemas.openxmlformats.org/officeDocument/2006/math" xmlns="" val="1"/>
+              <ma14:wrappingTextBoxFlag xmlns="" xmlns:m="http://schemas.openxmlformats.org/officeDocument/2006/math" xmlns:a14="http://schemas.microsoft.com/office/drawing/2010/main" xmlns:ma14="http://schemas.microsoft.com/office/mac/drawingml/2011/main" val="1"/>
             </a:ext>
           </a:extLst>
         </p:spPr>
@@ -4159,7 +4381,7 @@
           </a:ln>
           <a:extLst>
             <a:ext uri="{C572A759-6A51-4108-AA02-DFA0A04FC94B}">
-              <ma14:wrappingTextBoxFlag xmlns:ma14="http://schemas.microsoft.com/office/mac/drawingml/2011/main" xmlns:a14="http://schemas.microsoft.com/office/drawing/2010/main" xmlns:m="http://schemas.openxmlformats.org/officeDocument/2006/math" xmlns="" val="1"/>
+              <ma14:wrappingTextBoxFlag xmlns="" xmlns:m="http://schemas.openxmlformats.org/officeDocument/2006/math" xmlns:a14="http://schemas.microsoft.com/office/drawing/2010/main" xmlns:ma14="http://schemas.microsoft.com/office/mac/drawingml/2011/main" val="1"/>
             </a:ext>
           </a:extLst>
         </p:spPr>
@@ -4243,7 +4465,7 @@
           </a:ln>
           <a:extLst>
             <a:ext uri="{C572A759-6A51-4108-AA02-DFA0A04FC94B}">
-              <ma14:wrappingTextBoxFlag xmlns:ma14="http://schemas.microsoft.com/office/mac/drawingml/2011/main" xmlns:a14="http://schemas.microsoft.com/office/drawing/2010/main" xmlns:m="http://schemas.openxmlformats.org/officeDocument/2006/math" xmlns="" val="1"/>
+              <ma14:wrappingTextBoxFlag xmlns="" xmlns:m="http://schemas.openxmlformats.org/officeDocument/2006/math" xmlns:a14="http://schemas.microsoft.com/office/drawing/2010/main" xmlns:ma14="http://schemas.microsoft.com/office/mac/drawingml/2011/main" val="1"/>
             </a:ext>
           </a:extLst>
         </p:spPr>
